--- a/PPT/CSS/04css属性及兼容.pptx
+++ b/PPT/CSS/04css属性及兼容.pptx
@@ -137,6 +137,11 @@
       </a:defRPr>
     </a:lvl9pPr>
   </p:defaultTextStyle>
+  <p:extLst>
+    <p:ext uri="{505F2C04-C923-438B-8C0F-E0CD2BADF298}">
+      <wppc:fontMiss xmlns:wppc="http://www.wps.cn/officeDocument/PresentationCustomData" type="true"/>
+    </p:ext>
+  </p:extLst>
 </p:presentation>
 </file>
 

--- a/PPT/CSS/04css属性及兼容.pptx
+++ b/PPT/CSS/04css属性及兼容.pptx
@@ -16015,7 +16015,7 @@
         <p:spPr>
           <a:xfrm>
             <a:off x="1485265" y="1279525"/>
-            <a:ext cx="6174105" cy="2584450"/>
+            <a:ext cx="6174105" cy="2306955"/>
           </a:xfrm>
           <a:prstGeom prst="rect">
             <a:avLst/>
@@ -16077,22 +16077,6 @@
                 </a:solidFill>
               </a:rPr>
               <a:t>作用：在同一页面内的不同位置进行跳转。</a:t>
-            </a:r>
-            <a:endParaRPr lang="zh-CN" altLang="en-US">
-              <a:solidFill>
-                <a:srgbClr val="FF0000"/>
-              </a:solidFill>
-            </a:endParaRPr>
-          </a:p>
-          <a:p>
-            <a:pPr algn="l"/>
-            <a:r>
-              <a:rPr>
-                <a:solidFill>
-                  <a:schemeClr val="tx1"/>
-                </a:solidFill>
-              </a:rPr>
-              <a:t>作用：该属性设置或检索对象元素应该生成的盒模型的类型。</a:t>
             </a:r>
             <a:endParaRPr>
               <a:solidFill>
@@ -27603,7 +27587,23 @@
                   <a:schemeClr val="tx1"/>
                 </a:solidFill>
               </a:rPr>
-              <a:t>A)   div中的图片间隙</a:t>
+              <a:t>A)  </a:t>
+            </a:r>
+            <a:r>
+              <a:rPr lang="zh-CN">
+                <a:solidFill>
+                  <a:schemeClr val="tx1"/>
+                </a:solidFill>
+              </a:rPr>
+              <a:t>容器</a:t>
+            </a:r>
+            <a:r>
+              <a:rPr>
+                <a:solidFill>
+                  <a:schemeClr val="tx1"/>
+                </a:solidFill>
+              </a:rPr>
+              <a:t>中的图片间隙</a:t>
             </a:r>
             <a:endParaRPr>
               <a:solidFill>
@@ -27619,7 +27619,35 @@
                   <a:schemeClr val="tx1"/>
                 </a:solidFill>
               </a:rPr>
-              <a:t>描述：在div中插入图片时，图片会将div下方撑大三像素。</a:t>
+              <a:t>描述：在</a:t>
+            </a:r>
+            <a:r>
+              <a:rPr lang="zh-CN">
+                <a:sym typeface="+mn-ea"/>
+              </a:rPr>
+              <a:t>容器</a:t>
+            </a:r>
+            <a:r>
+              <a:rPr>
+                <a:solidFill>
+                  <a:schemeClr val="tx1"/>
+                </a:solidFill>
+              </a:rPr>
+              <a:t>中插入图片时，图片会将</a:t>
+            </a:r>
+            <a:r>
+              <a:rPr lang="zh-CN">
+                <a:sym typeface="+mn-ea"/>
+              </a:rPr>
+              <a:t>容器</a:t>
+            </a:r>
+            <a:r>
+              <a:rPr>
+                <a:solidFill>
+                  <a:schemeClr val="tx1"/>
+                </a:solidFill>
+              </a:rPr>
+              <a:t>下方撑大三像素。</a:t>
             </a:r>
             <a:endParaRPr>
               <a:solidFill>
@@ -28551,7 +28579,31 @@
                   <a:srgbClr val="FF0000"/>
                 </a:solidFill>
               </a:rPr>
-              <a:t>)按钮元素默认大小不一</a:t>
+              <a:t>)</a:t>
+            </a:r>
+            <a:r>
+              <a:rPr lang="zh-CN" sz="2000">
+                <a:solidFill>
+                  <a:srgbClr val="FF0000"/>
+                </a:solidFill>
+              </a:rPr>
+              <a:t>标签默认样式</a:t>
+            </a:r>
+            <a:r>
+              <a:rPr sz="2000">
+                <a:solidFill>
+                  <a:srgbClr val="FF0000"/>
+                </a:solidFill>
+              </a:rPr>
+              <a:t>不一</a:t>
+            </a:r>
+            <a:r>
+              <a:rPr lang="zh-CN" sz="2000">
+                <a:solidFill>
+                  <a:srgbClr val="FF0000"/>
+                </a:solidFill>
+              </a:rPr>
+              <a:t>样</a:t>
             </a:r>
             <a:endParaRPr>
               <a:solidFill>
